--- a/Day1/Kubernetes-Master-Presentation.pptx
+++ b/Day1/Kubernetes-Master-Presentation.pptx
@@ -5,7 +5,7 @@
     <p:sldMasterId id="2147483648" r:id="rId1"/>
   </p:sldMasterIdLst>
   <p:notesMasterIdLst>
-    <p:notesMasterId r:id="rId15"/>
+    <p:notesMasterId r:id="rId16"/>
   </p:notesMasterIdLst>
   <p:sldIdLst>
     <p:sldId id="338" r:id="rId2"/>
@@ -21,6 +21,7 @@
     <p:sldId id="335" r:id="rId12"/>
     <p:sldId id="337" r:id="rId13"/>
     <p:sldId id="308" r:id="rId14"/>
+    <p:sldId id="339" r:id="rId15"/>
   </p:sldIdLst>
   <p:sldSz cx="12192000" cy="6858000"/>
   <p:notesSz cx="6858000" cy="9144000"/>
@@ -137,14 +138,6 @@
     </p:extLst>
   </p:cmAuthor>
 </p:cmAuthorLst>
-</file>
-
-<file path=ppt/revisionInfo.xml><?xml version="1.0" encoding="utf-8"?>
-<p1510:revInfo xmlns:a="http://schemas.openxmlformats.org/drawingml/2006/main" xmlns:r="http://schemas.openxmlformats.org/officeDocument/2006/relationships" xmlns:p1510="http://schemas.microsoft.com/office/powerpoint/2015/10/main">
-  <p1510:revLst>
-    <p1510:client id="{EA894CAF-5159-416E-9EE0-00F5C16E43E0}" v="5" dt="2024-10-03T09:57:15.676"/>
-  </p1510:revLst>
-</p1510:revInfo>
 </file>
 
 <file path=ppt/changesInfos/changesInfo1.xml><?xml version="1.0" encoding="utf-8"?>
@@ -288,6 +281,22 @@
       </pc:sldChg>
     </pc:docChg>
   </pc:docChgLst>
+  <pc:docChgLst>
+    <pc:chgData name="Learning Cloud" userId="622d7d18e0d997fa" providerId="LiveId" clId="{61F716A0-720D-41EC-AD72-E00FFE99F310}"/>
+    <pc:docChg chg="addSld">
+      <pc:chgData name="Learning Cloud" userId="622d7d18e0d997fa" providerId="LiveId" clId="{61F716A0-720D-41EC-AD72-E00FFE99F310}" dt="2024-10-04T10:23:33.750" v="0" actId="680"/>
+      <pc:docMkLst>
+        <pc:docMk/>
+      </pc:docMkLst>
+      <pc:sldChg chg="new">
+        <pc:chgData name="Learning Cloud" userId="622d7d18e0d997fa" providerId="LiveId" clId="{61F716A0-720D-41EC-AD72-E00FFE99F310}" dt="2024-10-04T10:23:33.750" v="0" actId="680"/>
+        <pc:sldMkLst>
+          <pc:docMk/>
+          <pc:sldMk cId="2673139868" sldId="339"/>
+        </pc:sldMkLst>
+      </pc:sldChg>
+    </pc:docChg>
+  </pc:docChgLst>
 </pc:chgInfo>
 </file>
 
@@ -373,7 +382,7 @@
           <a:p>
             <a:fld id="{8D150203-C3D1-45CF-9CCC-11ED2E852FA7}" type="datetimeFigureOut">
               <a:rPr lang="en-US" smtClean="0"/>
-              <a:t>10/3/2024</a:t>
+              <a:t>10/4/2024</a:t>
             </a:fld>
             <a:endParaRPr lang="en-US"/>
           </a:p>
@@ -1517,7 +1526,7 @@
           <a:p>
             <a:fld id="{6C701F91-7C7E-4969-9807-C5C65EB2F321}" type="datetimeFigureOut">
               <a:rPr lang="en-US" smtClean="0"/>
-              <a:t>10/3/2024</a:t>
+              <a:t>10/4/2024</a:t>
             </a:fld>
             <a:endParaRPr lang="en-US"/>
           </a:p>
@@ -1685,7 +1694,7 @@
           <a:p>
             <a:fld id="{6C701F91-7C7E-4969-9807-C5C65EB2F321}" type="datetimeFigureOut">
               <a:rPr lang="en-US" smtClean="0"/>
-              <a:t>10/3/2024</a:t>
+              <a:t>10/4/2024</a:t>
             </a:fld>
             <a:endParaRPr lang="en-US"/>
           </a:p>
@@ -1863,7 +1872,7 @@
           <a:p>
             <a:fld id="{6C701F91-7C7E-4969-9807-C5C65EB2F321}" type="datetimeFigureOut">
               <a:rPr lang="en-US" smtClean="0"/>
-              <a:t>10/3/2024</a:t>
+              <a:t>10/4/2024</a:t>
             </a:fld>
             <a:endParaRPr lang="en-US"/>
           </a:p>
@@ -2031,7 +2040,7 @@
           <a:p>
             <a:fld id="{6C701F91-7C7E-4969-9807-C5C65EB2F321}" type="datetimeFigureOut">
               <a:rPr lang="en-US" smtClean="0"/>
-              <a:t>10/3/2024</a:t>
+              <a:t>10/4/2024</a:t>
             </a:fld>
             <a:endParaRPr lang="en-US"/>
           </a:p>
@@ -2276,7 +2285,7 @@
           <a:p>
             <a:fld id="{6C701F91-7C7E-4969-9807-C5C65EB2F321}" type="datetimeFigureOut">
               <a:rPr lang="en-US" smtClean="0"/>
-              <a:t>10/3/2024</a:t>
+              <a:t>10/4/2024</a:t>
             </a:fld>
             <a:endParaRPr lang="en-US"/>
           </a:p>
@@ -2505,7 +2514,7 @@
           <a:p>
             <a:fld id="{6C701F91-7C7E-4969-9807-C5C65EB2F321}" type="datetimeFigureOut">
               <a:rPr lang="en-US" smtClean="0"/>
-              <a:t>10/3/2024</a:t>
+              <a:t>10/4/2024</a:t>
             </a:fld>
             <a:endParaRPr lang="en-US"/>
           </a:p>
@@ -2869,7 +2878,7 @@
           <a:p>
             <a:fld id="{6C701F91-7C7E-4969-9807-C5C65EB2F321}" type="datetimeFigureOut">
               <a:rPr lang="en-US" smtClean="0"/>
-              <a:t>10/3/2024</a:t>
+              <a:t>10/4/2024</a:t>
             </a:fld>
             <a:endParaRPr lang="en-US"/>
           </a:p>
@@ -2986,7 +2995,7 @@
           <a:p>
             <a:fld id="{6C701F91-7C7E-4969-9807-C5C65EB2F321}" type="datetimeFigureOut">
               <a:rPr lang="en-US" smtClean="0"/>
-              <a:t>10/3/2024</a:t>
+              <a:t>10/4/2024</a:t>
             </a:fld>
             <a:endParaRPr lang="en-US"/>
           </a:p>
@@ -3081,7 +3090,7 @@
           <a:p>
             <a:fld id="{6C701F91-7C7E-4969-9807-C5C65EB2F321}" type="datetimeFigureOut">
               <a:rPr lang="en-US" smtClean="0"/>
-              <a:t>10/3/2024</a:t>
+              <a:t>10/4/2024</a:t>
             </a:fld>
             <a:endParaRPr lang="en-US"/>
           </a:p>
@@ -3356,7 +3365,7 @@
           <a:p>
             <a:fld id="{6C701F91-7C7E-4969-9807-C5C65EB2F321}" type="datetimeFigureOut">
               <a:rPr lang="en-US" smtClean="0"/>
-              <a:t>10/3/2024</a:t>
+              <a:t>10/4/2024</a:t>
             </a:fld>
             <a:endParaRPr lang="en-US"/>
           </a:p>
@@ -3608,7 +3617,7 @@
           <a:p>
             <a:fld id="{6C701F91-7C7E-4969-9807-C5C65EB2F321}" type="datetimeFigureOut">
               <a:rPr lang="en-US" smtClean="0"/>
-              <a:t>10/3/2024</a:t>
+              <a:t>10/4/2024</a:t>
             </a:fld>
             <a:endParaRPr lang="en-US"/>
           </a:p>
@@ -3819,7 +3828,7 @@
           <a:p>
             <a:fld id="{6C701F91-7C7E-4969-9807-C5C65EB2F321}" type="datetimeFigureOut">
               <a:rPr lang="en-US" smtClean="0"/>
-              <a:t>10/3/2024</a:t>
+              <a:t>10/4/2024</a:t>
             </a:fld>
             <a:endParaRPr lang="en-US"/>
           </a:p>
@@ -6111,6 +6120,86 @@
     <a:masterClrMapping/>
   </p:clrMapOvr>
   <p:transition/>
+</p:sld>
+</file>
+
+<file path=ppt/slides/slide14.xml><?xml version="1.0" encoding="utf-8"?>
+<p:sld xmlns:a="http://schemas.openxmlformats.org/drawingml/2006/main" xmlns:r="http://schemas.openxmlformats.org/officeDocument/2006/relationships" xmlns:p="http://schemas.openxmlformats.org/presentationml/2006/main">
+  <p:cSld>
+    <p:spTree>
+      <p:nvGrpSpPr>
+        <p:cNvPr id="1" name=""/>
+        <p:cNvGrpSpPr/>
+        <p:nvPr/>
+      </p:nvGrpSpPr>
+      <p:grpSpPr>
+        <a:xfrm>
+          <a:off x="0" y="0"/>
+          <a:ext cx="0" cy="0"/>
+          <a:chOff x="0" y="0"/>
+          <a:chExt cx="0" cy="0"/>
+        </a:xfrm>
+      </p:grpSpPr>
+      <p:sp>
+        <p:nvSpPr>
+          <p:cNvPr id="2" name="Title 1">
+            <a:extLst>
+              <a:ext uri="{FF2B5EF4-FFF2-40B4-BE49-F238E27FC236}">
+                <a16:creationId xmlns:a16="http://schemas.microsoft.com/office/drawing/2014/main" id="{1CC3EAAF-96B4-9A07-9CBD-9EDAEBF8C30C}"/>
+              </a:ext>
+            </a:extLst>
+          </p:cNvPr>
+          <p:cNvSpPr>
+            <a:spLocks noGrp="1"/>
+          </p:cNvSpPr>
+          <p:nvPr>
+            <p:ph type="title"/>
+          </p:nvPr>
+        </p:nvSpPr>
+        <p:spPr/>
+        <p:txBody>
+          <a:bodyPr/>
+          <a:lstStyle/>
+          <a:p>
+            <a:endParaRPr lang="en-IN"/>
+          </a:p>
+        </p:txBody>
+      </p:sp>
+      <p:sp>
+        <p:nvSpPr>
+          <p:cNvPr id="3" name="Content Placeholder 2">
+            <a:extLst>
+              <a:ext uri="{FF2B5EF4-FFF2-40B4-BE49-F238E27FC236}">
+                <a16:creationId xmlns:a16="http://schemas.microsoft.com/office/drawing/2014/main" id="{FB124B99-91DC-2695-6E91-780EA879AA75}"/>
+              </a:ext>
+            </a:extLst>
+          </p:cNvPr>
+          <p:cNvSpPr>
+            <a:spLocks noGrp="1"/>
+          </p:cNvSpPr>
+          <p:nvPr>
+            <p:ph idx="1"/>
+          </p:nvPr>
+        </p:nvSpPr>
+        <p:spPr/>
+        <p:txBody>
+          <a:bodyPr/>
+          <a:lstStyle/>
+          <a:p>
+            <a:endParaRPr lang="en-IN"/>
+          </a:p>
+        </p:txBody>
+      </p:sp>
+    </p:spTree>
+    <p:extLst>
+      <p:ext uri="{BB962C8B-B14F-4D97-AF65-F5344CB8AC3E}">
+        <p14:creationId xmlns:p14="http://schemas.microsoft.com/office/powerpoint/2010/main" val="2673139868"/>
+      </p:ext>
+    </p:extLst>
+  </p:cSld>
+  <p:clrMapOvr>
+    <a:masterClrMapping/>
+  </p:clrMapOvr>
 </p:sld>
 </file>
 
